--- a/documentos/PPT Avance 02.pptx
+++ b/documentos/PPT Avance 02.pptx
@@ -321,7 +321,7 @@
             <a:fld id="{109A6D5B-B4A4-483F-9CD3-3E3D1DF6D3BC}" type="datetimeFigureOut">
               <a:rPr lang="es-CL" smtClean="0"/>
               <a:pPr/>
-              <a:t>26-08-2020</a:t>
+              <a:t>28-08-2020</a:t>
             </a:fld>
             <a:endParaRPr lang="es-CL"/>
           </a:p>
@@ -488,7 +488,7 @@
             <a:fld id="{109A6D5B-B4A4-483F-9CD3-3E3D1DF6D3BC}" type="datetimeFigureOut">
               <a:rPr lang="es-CL" smtClean="0"/>
               <a:pPr/>
-              <a:t>26-08-2020</a:t>
+              <a:t>28-08-2020</a:t>
             </a:fld>
             <a:endParaRPr lang="es-CL"/>
           </a:p>
@@ -665,7 +665,7 @@
             <a:fld id="{109A6D5B-B4A4-483F-9CD3-3E3D1DF6D3BC}" type="datetimeFigureOut">
               <a:rPr lang="es-CL" smtClean="0"/>
               <a:pPr/>
-              <a:t>26-08-2020</a:t>
+              <a:t>28-08-2020</a:t>
             </a:fld>
             <a:endParaRPr lang="es-CL"/>
           </a:p>
@@ -904,7 +904,7 @@
             <a:fld id="{97172ED1-F058-4296-9A1C-85EC5A9AEE84}" type="datetimeFigureOut">
               <a:rPr lang="es-CL" smtClean="0"/>
               <a:pPr/>
-              <a:t>26-08-2020</a:t>
+              <a:t>28-08-2020</a:t>
             </a:fld>
             <a:endParaRPr lang="es-CL"/>
           </a:p>
@@ -1071,7 +1071,7 @@
             <a:fld id="{97172ED1-F058-4296-9A1C-85EC5A9AEE84}" type="datetimeFigureOut">
               <a:rPr lang="es-CL" smtClean="0"/>
               <a:pPr/>
-              <a:t>26-08-2020</a:t>
+              <a:t>28-08-2020</a:t>
             </a:fld>
             <a:endParaRPr lang="es-CL"/>
           </a:p>
@@ -1314,7 +1314,7 @@
             <a:fld id="{97172ED1-F058-4296-9A1C-85EC5A9AEE84}" type="datetimeFigureOut">
               <a:rPr lang="es-CL" smtClean="0"/>
               <a:pPr/>
-              <a:t>26-08-2020</a:t>
+              <a:t>28-08-2020</a:t>
             </a:fld>
             <a:endParaRPr lang="es-CL"/>
           </a:p>
@@ -1599,7 +1599,7 @@
             <a:fld id="{97172ED1-F058-4296-9A1C-85EC5A9AEE84}" type="datetimeFigureOut">
               <a:rPr lang="es-CL" smtClean="0"/>
               <a:pPr/>
-              <a:t>26-08-2020</a:t>
+              <a:t>28-08-2020</a:t>
             </a:fld>
             <a:endParaRPr lang="es-CL"/>
           </a:p>
@@ -2018,7 +2018,7 @@
             <a:fld id="{97172ED1-F058-4296-9A1C-85EC5A9AEE84}" type="datetimeFigureOut">
               <a:rPr lang="es-CL" smtClean="0"/>
               <a:pPr/>
-              <a:t>26-08-2020</a:t>
+              <a:t>28-08-2020</a:t>
             </a:fld>
             <a:endParaRPr lang="es-CL"/>
           </a:p>
@@ -2133,7 +2133,7 @@
             <a:fld id="{97172ED1-F058-4296-9A1C-85EC5A9AEE84}" type="datetimeFigureOut">
               <a:rPr lang="es-CL" smtClean="0"/>
               <a:pPr/>
-              <a:t>26-08-2020</a:t>
+              <a:t>28-08-2020</a:t>
             </a:fld>
             <a:endParaRPr lang="es-CL"/>
           </a:p>
@@ -2225,7 +2225,7 @@
             <a:fld id="{97172ED1-F058-4296-9A1C-85EC5A9AEE84}" type="datetimeFigureOut">
               <a:rPr lang="es-CL" smtClean="0"/>
               <a:pPr/>
-              <a:t>26-08-2020</a:t>
+              <a:t>28-08-2020</a:t>
             </a:fld>
             <a:endParaRPr lang="es-CL"/>
           </a:p>
@@ -2499,7 +2499,7 @@
             <a:fld id="{97172ED1-F058-4296-9A1C-85EC5A9AEE84}" type="datetimeFigureOut">
               <a:rPr lang="es-CL" smtClean="0"/>
               <a:pPr/>
-              <a:t>26-08-2020</a:t>
+              <a:t>28-08-2020</a:t>
             </a:fld>
             <a:endParaRPr lang="es-CL"/>
           </a:p>
@@ -2666,7 +2666,7 @@
             <a:fld id="{109A6D5B-B4A4-483F-9CD3-3E3D1DF6D3BC}" type="datetimeFigureOut">
               <a:rPr lang="es-CL" smtClean="0"/>
               <a:pPr/>
-              <a:t>26-08-2020</a:t>
+              <a:t>28-08-2020</a:t>
             </a:fld>
             <a:endParaRPr lang="es-CL"/>
           </a:p>
@@ -2916,7 +2916,7 @@
             <a:fld id="{97172ED1-F058-4296-9A1C-85EC5A9AEE84}" type="datetimeFigureOut">
               <a:rPr lang="es-CL" smtClean="0"/>
               <a:pPr/>
-              <a:t>26-08-2020</a:t>
+              <a:t>28-08-2020</a:t>
             </a:fld>
             <a:endParaRPr lang="es-CL"/>
           </a:p>
@@ -3083,7 +3083,7 @@
             <a:fld id="{97172ED1-F058-4296-9A1C-85EC5A9AEE84}" type="datetimeFigureOut">
               <a:rPr lang="es-CL" smtClean="0"/>
               <a:pPr/>
-              <a:t>26-08-2020</a:t>
+              <a:t>28-08-2020</a:t>
             </a:fld>
             <a:endParaRPr lang="es-CL"/>
           </a:p>
@@ -3260,7 +3260,7 @@
             <a:fld id="{97172ED1-F058-4296-9A1C-85EC5A9AEE84}" type="datetimeFigureOut">
               <a:rPr lang="es-CL" smtClean="0"/>
               <a:pPr/>
-              <a:t>26-08-2020</a:t>
+              <a:t>28-08-2020</a:t>
             </a:fld>
             <a:endParaRPr lang="es-CL"/>
           </a:p>
@@ -3499,7 +3499,7 @@
             <a:fld id="{E2CC931A-4862-494A-9119-132B30CBA9D6}" type="datetimeFigureOut">
               <a:rPr lang="es-CL" smtClean="0"/>
               <a:pPr/>
-              <a:t>26-08-2020</a:t>
+              <a:t>28-08-2020</a:t>
             </a:fld>
             <a:endParaRPr lang="es-CL"/>
           </a:p>
@@ -3666,7 +3666,7 @@
             <a:fld id="{E2CC931A-4862-494A-9119-132B30CBA9D6}" type="datetimeFigureOut">
               <a:rPr lang="es-CL" smtClean="0"/>
               <a:pPr/>
-              <a:t>26-08-2020</a:t>
+              <a:t>28-08-2020</a:t>
             </a:fld>
             <a:endParaRPr lang="es-CL"/>
           </a:p>
@@ -3909,7 +3909,7 @@
             <a:fld id="{E2CC931A-4862-494A-9119-132B30CBA9D6}" type="datetimeFigureOut">
               <a:rPr lang="es-CL" smtClean="0"/>
               <a:pPr/>
-              <a:t>26-08-2020</a:t>
+              <a:t>28-08-2020</a:t>
             </a:fld>
             <a:endParaRPr lang="es-CL"/>
           </a:p>
@@ -4194,7 +4194,7 @@
             <a:fld id="{E2CC931A-4862-494A-9119-132B30CBA9D6}" type="datetimeFigureOut">
               <a:rPr lang="es-CL" smtClean="0"/>
               <a:pPr/>
-              <a:t>26-08-2020</a:t>
+              <a:t>28-08-2020</a:t>
             </a:fld>
             <a:endParaRPr lang="es-CL"/>
           </a:p>
@@ -4613,7 +4613,7 @@
             <a:fld id="{E2CC931A-4862-494A-9119-132B30CBA9D6}" type="datetimeFigureOut">
               <a:rPr lang="es-CL" smtClean="0"/>
               <a:pPr/>
-              <a:t>26-08-2020</a:t>
+              <a:t>28-08-2020</a:t>
             </a:fld>
             <a:endParaRPr lang="es-CL"/>
           </a:p>
@@ -4728,7 +4728,7 @@
             <a:fld id="{E2CC931A-4862-494A-9119-132B30CBA9D6}" type="datetimeFigureOut">
               <a:rPr lang="es-CL" smtClean="0"/>
               <a:pPr/>
-              <a:t>26-08-2020</a:t>
+              <a:t>28-08-2020</a:t>
             </a:fld>
             <a:endParaRPr lang="es-CL"/>
           </a:p>
@@ -4820,7 +4820,7 @@
             <a:fld id="{E2CC931A-4862-494A-9119-132B30CBA9D6}" type="datetimeFigureOut">
               <a:rPr lang="es-CL" smtClean="0"/>
               <a:pPr/>
-              <a:t>26-08-2020</a:t>
+              <a:t>28-08-2020</a:t>
             </a:fld>
             <a:endParaRPr lang="es-CL"/>
           </a:p>
@@ -5063,7 +5063,7 @@
             <a:fld id="{109A6D5B-B4A4-483F-9CD3-3E3D1DF6D3BC}" type="datetimeFigureOut">
               <a:rPr lang="es-CL" smtClean="0"/>
               <a:pPr/>
-              <a:t>26-08-2020</a:t>
+              <a:t>28-08-2020</a:t>
             </a:fld>
             <a:endParaRPr lang="es-CL"/>
           </a:p>
@@ -5337,7 +5337,7 @@
             <a:fld id="{E2CC931A-4862-494A-9119-132B30CBA9D6}" type="datetimeFigureOut">
               <a:rPr lang="es-CL" smtClean="0"/>
               <a:pPr/>
-              <a:t>26-08-2020</a:t>
+              <a:t>28-08-2020</a:t>
             </a:fld>
             <a:endParaRPr lang="es-CL"/>
           </a:p>
@@ -5587,7 +5587,7 @@
             <a:fld id="{E2CC931A-4862-494A-9119-132B30CBA9D6}" type="datetimeFigureOut">
               <a:rPr lang="es-CL" smtClean="0"/>
               <a:pPr/>
-              <a:t>26-08-2020</a:t>
+              <a:t>28-08-2020</a:t>
             </a:fld>
             <a:endParaRPr lang="es-CL"/>
           </a:p>
@@ -5754,7 +5754,7 @@
             <a:fld id="{E2CC931A-4862-494A-9119-132B30CBA9D6}" type="datetimeFigureOut">
               <a:rPr lang="es-CL" smtClean="0"/>
               <a:pPr/>
-              <a:t>26-08-2020</a:t>
+              <a:t>28-08-2020</a:t>
             </a:fld>
             <a:endParaRPr lang="es-CL"/>
           </a:p>
@@ -5931,7 +5931,7 @@
             <a:fld id="{E2CC931A-4862-494A-9119-132B30CBA9D6}" type="datetimeFigureOut">
               <a:rPr lang="es-CL" smtClean="0"/>
               <a:pPr/>
-              <a:t>26-08-2020</a:t>
+              <a:t>28-08-2020</a:t>
             </a:fld>
             <a:endParaRPr lang="es-CL"/>
           </a:p>
@@ -6216,7 +6216,7 @@
             <a:fld id="{109A6D5B-B4A4-483F-9CD3-3E3D1DF6D3BC}" type="datetimeFigureOut">
               <a:rPr lang="es-CL" smtClean="0"/>
               <a:pPr/>
-              <a:t>26-08-2020</a:t>
+              <a:t>28-08-2020</a:t>
             </a:fld>
             <a:endParaRPr lang="es-CL"/>
           </a:p>
@@ -6635,7 +6635,7 @@
             <a:fld id="{109A6D5B-B4A4-483F-9CD3-3E3D1DF6D3BC}" type="datetimeFigureOut">
               <a:rPr lang="es-CL" smtClean="0"/>
               <a:pPr/>
-              <a:t>26-08-2020</a:t>
+              <a:t>28-08-2020</a:t>
             </a:fld>
             <a:endParaRPr lang="es-CL"/>
           </a:p>
@@ -6750,7 +6750,7 @@
             <a:fld id="{109A6D5B-B4A4-483F-9CD3-3E3D1DF6D3BC}" type="datetimeFigureOut">
               <a:rPr lang="es-CL" smtClean="0"/>
               <a:pPr/>
-              <a:t>26-08-2020</a:t>
+              <a:t>28-08-2020</a:t>
             </a:fld>
             <a:endParaRPr lang="es-CL"/>
           </a:p>
@@ -6866,7 +6866,7 @@
             <a:fld id="{109A6D5B-B4A4-483F-9CD3-3E3D1DF6D3BC}" type="datetimeFigureOut">
               <a:rPr lang="es-CL" smtClean="0"/>
               <a:pPr/>
-              <a:t>26-08-2020</a:t>
+              <a:t>28-08-2020</a:t>
             </a:fld>
             <a:endParaRPr lang="es-CL"/>
           </a:p>
@@ -7140,7 +7140,7 @@
             <a:fld id="{109A6D5B-B4A4-483F-9CD3-3E3D1DF6D3BC}" type="datetimeFigureOut">
               <a:rPr lang="es-CL" smtClean="0"/>
               <a:pPr/>
-              <a:t>26-08-2020</a:t>
+              <a:t>28-08-2020</a:t>
             </a:fld>
             <a:endParaRPr lang="es-CL"/>
           </a:p>
@@ -7390,7 +7390,7 @@
             <a:fld id="{109A6D5B-B4A4-483F-9CD3-3E3D1DF6D3BC}" type="datetimeFigureOut">
               <a:rPr lang="es-CL" smtClean="0"/>
               <a:pPr/>
-              <a:t>26-08-2020</a:t>
+              <a:t>28-08-2020</a:t>
             </a:fld>
             <a:endParaRPr lang="es-CL"/>
           </a:p>
@@ -7600,7 +7600,7 @@
             <a:fld id="{109A6D5B-B4A4-483F-9CD3-3E3D1DF6D3BC}" type="datetimeFigureOut">
               <a:rPr lang="es-CL" smtClean="0"/>
               <a:pPr/>
-              <a:t>26-08-2020</a:t>
+              <a:t>28-08-2020</a:t>
             </a:fld>
             <a:endParaRPr lang="es-CL"/>
           </a:p>
@@ -8180,7 +8180,7 @@
             <a:fld id="{97172ED1-F058-4296-9A1C-85EC5A9AEE84}" type="datetimeFigureOut">
               <a:rPr lang="es-CL" smtClean="0"/>
               <a:pPr/>
-              <a:t>26-08-2020</a:t>
+              <a:t>28-08-2020</a:t>
             </a:fld>
             <a:endParaRPr lang="es-CL"/>
           </a:p>
@@ -8756,7 +8756,7 @@
             <a:fld id="{E2CC931A-4862-494A-9119-132B30CBA9D6}" type="datetimeFigureOut">
               <a:rPr lang="es-CL" smtClean="0"/>
               <a:pPr/>
-              <a:t>26-08-2020</a:t>
+              <a:t>28-08-2020</a:t>
             </a:fld>
             <a:endParaRPr lang="es-CL"/>
           </a:p>
@@ -10603,7 +10603,7 @@
         <p:spPr>
           <a:xfrm>
             <a:off x="781522" y="1418571"/>
-            <a:ext cx="4464496" cy="461665"/>
+            <a:ext cx="5904656" cy="461665"/>
           </a:xfrm>
           <a:prstGeom prst="rect">
             <a:avLst/>
@@ -10621,7 +10621,7 @@
                 <a:latin typeface="Arial" panose="020B0604020202020204" pitchFamily="34" charset="0"/>
                 <a:cs typeface="Arial" panose="020B0604020202020204" pitchFamily="34" charset="0"/>
               </a:rPr>
-              <a:t>Gestión de datos</a:t>
+              <a:t>Gestión de datos y archivos del programa</a:t>
             </a:r>
           </a:p>
         </p:txBody>
@@ -10879,10 +10879,10 @@
       </p:grpSpPr>
       <p:pic>
         <p:nvPicPr>
-          <p:cNvPr id="3" name="Imagen 2">
+          <p:cNvPr id="6" name="Imagen 5">
             <a:extLst>
               <a:ext uri="{FF2B5EF4-FFF2-40B4-BE49-F238E27FC236}">
-                <a16:creationId xmlns:a16="http://schemas.microsoft.com/office/drawing/2014/main" id="{7086C150-D180-4AA2-AE98-464BAB6D09EB}"/>
+                <a16:creationId xmlns:a16="http://schemas.microsoft.com/office/drawing/2014/main" id="{278A4E6F-49A8-4964-B6E8-313DE40E7C33}"/>
               </a:ext>
             </a:extLst>
           </p:cNvPr>
@@ -10905,8 +10905,8 @@
         </p:blipFill>
         <p:spPr>
           <a:xfrm>
-            <a:off x="58713" y="1418571"/>
-            <a:ext cx="10059988" cy="6200041"/>
+            <a:off x="0" y="1240550"/>
+            <a:ext cx="10059988" cy="5998791"/>
           </a:xfrm>
           <a:prstGeom prst="rect">
             <a:avLst/>
@@ -11040,7 +11040,7 @@
         </p:nvSpPr>
         <p:spPr>
           <a:xfrm>
-            <a:off x="781522" y="1418571"/>
+            <a:off x="349474" y="6047234"/>
             <a:ext cx="4464496" cy="461665"/>
           </a:xfrm>
           <a:prstGeom prst="rect">
